--- a/Innovation_Marathon_Presentation.pptx
+++ b/Innovation_Marathon_Presentation.pptx
@@ -16,8 +16,8 @@
     <p:sldId id="346" r:id="rId10"/>
     <p:sldId id="347" r:id="rId11"/>
     <p:sldId id="348" r:id="rId12"/>
-    <p:sldId id="349" r:id="rId13"/>
-    <p:sldId id="350" r:id="rId14"/>
+    <p:sldId id="350" r:id="rId13"/>
+    <p:sldId id="349" r:id="rId14"/>
     <p:sldId id="342" r:id="rId15"/>
   </p:sldIdLst>
   <p:sldSz cx="9144000" cy="5143500" type="screen16x9"/>
@@ -267,7 +267,7 @@
       </p15:sldGuideLst>
     </p:ext>
     <p:ext uri="http://customooxmlschemas.google.com/">
-      <go:slidesCustomData xmlns:mc="http://schemas.openxmlformats.org/markup-compatibility/2006" xmlns:mv="urn:schemas-microsoft-com:mac:vml" xmlns:c="http://schemas.openxmlformats.org/drawingml/2006/chart" xmlns:dgm="http://schemas.openxmlformats.org/drawingml/2006/diagram" xmlns:o="urn:schemas-microsoft-com:office:office" xmlns:v="urn:schemas-microsoft-com:vml" xmlns:pvml="urn:schemas-microsoft-com:office:powerpoint" xmlns:com="http://schemas.openxmlformats.org/drawingml/2006/compatibility" xmlns:p14="http://schemas.microsoft.com/office/powerpoint/2010/main" xmlns:p15="http://schemas.microsoft.com/office/powerpoint/2012/main" xmlns:go="http://customooxmlschemas.google.com/" xmlns="" r:id="rId47" roundtripDataSignature="AMtx7miWNY2LB4ETJwrL8F0N+EK9hEhqUQ=="/>
+      <go:slidesCustomData xmlns="" xmlns:go="http://customooxmlschemas.google.com/" xmlns:p15="http://schemas.microsoft.com/office/powerpoint/2012/main" xmlns:p14="http://schemas.microsoft.com/office/powerpoint/2010/main" xmlns:com="http://schemas.openxmlformats.org/drawingml/2006/compatibility" xmlns:pvml="urn:schemas-microsoft-com:office:powerpoint" xmlns:v="urn:schemas-microsoft-com:vml" xmlns:o="urn:schemas-microsoft-com:office:office" xmlns:dgm="http://schemas.openxmlformats.org/drawingml/2006/diagram" xmlns:c="http://schemas.openxmlformats.org/drawingml/2006/chart" xmlns:mv="urn:schemas-microsoft-com:mac:vml" xmlns:mc="http://schemas.openxmlformats.org/markup-compatibility/2006" r:id="rId47" roundtripDataSignature="AMtx7miWNY2LB4ETJwrL8F0N+EK9hEhqUQ=="/>
     </p:ext>
   </p:extLst>
 </p:presentation>
@@ -8697,7 +8697,7 @@
         <p:spPr>
           <a:xfrm>
             <a:off x="5353235" y="3389174"/>
-            <a:ext cx="3524435" cy="1508105"/>
+            <a:ext cx="3524435" cy="1261884"/>
           </a:xfrm>
           <a:prstGeom prst="rect">
             <a:avLst/>
@@ -8779,31 +8779,6 @@
               <a:t>K. Bhavya Sri</a:t>
             </a:r>
             <a:endParaRPr lang="en-IN" sz="1600" dirty="0">
-              <a:solidFill>
-                <a:srgbClr val="FFFF00"/>
-              </a:solidFill>
-            </a:endParaRPr>
-          </a:p>
-          <a:p>
-            <a:r>
-              <a:rPr lang="en-IN" sz="1600" dirty="0">
-                <a:solidFill>
-                  <a:schemeClr val="bg1"/>
-                </a:solidFill>
-              </a:rPr>
-              <a:t>Team Member 3 : </a:t>
-            </a:r>
-            <a:r>
-              <a:rPr lang="en-US" sz="1400" b="1" dirty="0">
-                <a:solidFill>
-                  <a:srgbClr val="FFFF00"/>
-                </a:solidFill>
-                <a:latin typeface="Times New Roman" panose="02020603050405020304" pitchFamily="18" charset="0"/>
-                <a:cs typeface="Times New Roman" panose="02020603050405020304" pitchFamily="18" charset="0"/>
-              </a:rPr>
-              <a:t>B. Vamshi </a:t>
-            </a:r>
-            <a:endParaRPr lang="en-IN" dirty="0">
               <a:solidFill>
                 <a:srgbClr val="FFFF00"/>
               </a:solidFill>
@@ -8876,13 +8851,7 @@
   <p:cSld>
     <p:spTree>
       <p:nvGrpSpPr>
-        <p:cNvPr id="1" name="">
-          <a:extLst>
-            <a:ext uri="{FF2B5EF4-FFF2-40B4-BE49-F238E27FC236}">
-              <a16:creationId xmlns:a16="http://schemas.microsoft.com/office/drawing/2014/main" id="{00A8EAFC-3A57-AD7E-8CB9-F8A9F0B4D80A}"/>
-            </a:ext>
-          </a:extLst>
-        </p:cNvPr>
+        <p:cNvPr id="1" name=""/>
         <p:cNvGrpSpPr/>
         <p:nvPr/>
       </p:nvGrpSpPr>
@@ -8899,7 +8868,7 @@
           <p:cNvPr id="5" name="Title 4">
             <a:extLst>
               <a:ext uri="{FF2B5EF4-FFF2-40B4-BE49-F238E27FC236}">
-                <a16:creationId xmlns:a16="http://schemas.microsoft.com/office/drawing/2014/main" id="{D3EABD15-8138-43E4-DD67-E9ECE24A5AEE}"/>
+                <a16:creationId xmlns:a16="http://schemas.microsoft.com/office/drawing/2014/main" id="{43F6764B-21BB-C2DC-B5A1-6A2D218BFD12}"/>
               </a:ext>
             </a:extLst>
           </p:cNvPr>
@@ -8916,22 +8885,22 @@
           <a:lstStyle/>
           <a:p>
             <a:r>
-              <a:rPr lang="en-IN" sz="2400" dirty="0">
+              <a:rPr lang="en-IN" sz="2400">
                 <a:solidFill>
                   <a:srgbClr val="002060"/>
                 </a:solidFill>
               </a:rPr>
-              <a:t>Future Perspective</a:t>
+              <a:t>Conclusion</a:t>
             </a:r>
           </a:p>
         </p:txBody>
       </p:sp>
       <p:sp>
         <p:nvSpPr>
-          <p:cNvPr id="6" name="TextBox 5">
+          <p:cNvPr id="3" name="TextBox 2">
             <a:extLst>
               <a:ext uri="{FF2B5EF4-FFF2-40B4-BE49-F238E27FC236}">
-                <a16:creationId xmlns:a16="http://schemas.microsoft.com/office/drawing/2014/main" id="{2D10F7D5-7DCC-828C-0DFE-F1746E52368A}"/>
+                <a16:creationId xmlns:a16="http://schemas.microsoft.com/office/drawing/2014/main" id="{6737EF46-06E3-0BF0-83DC-2FCFCC486FDA}"/>
               </a:ext>
             </a:extLst>
           </p:cNvPr>
@@ -8940,8 +8909,8 @@
         </p:nvSpPr>
         <p:spPr>
           <a:xfrm>
-            <a:off x="710293" y="1017725"/>
-            <a:ext cx="8229600" cy="4329968"/>
+            <a:off x="375556" y="1017725"/>
+            <a:ext cx="8520599" cy="3602268"/>
           </a:xfrm>
           <a:prstGeom prst="rect">
             <a:avLst/>
@@ -8954,7 +8923,7 @@
           </a:bodyPr>
           <a:lstStyle/>
           <a:p>
-            <a:pPr marL="342900" marR="0" lvl="0" indent="-342900">
+            <a:pPr marL="0" marR="0">
               <a:lnSpc>
                 <a:spcPct val="107000"/>
               </a:lnSpc>
@@ -8964,81 +8933,36 @@
               <a:spcAft>
                 <a:spcPts val="800"/>
               </a:spcAft>
-              <a:buSzPts val="1000"/>
-              <a:buFont typeface="Symbol" panose="05050102010706020507" pitchFamily="18" charset="2"/>
-              <a:buChar char=""/>
-              <a:tabLst>
-                <a:tab pos="457200" algn="l"/>
-              </a:tabLst>
             </a:pPr>
             <a:r>
-              <a:rPr lang="en-US" kern="100" dirty="0">
+              <a:rPr lang="en-US" sz="1600" b="1" kern="100" dirty="0">
                 <a:effectLst/>
                 <a:latin typeface="Times New Roman" panose="02020603050405020304" pitchFamily="18" charset="0"/>
                 <a:ea typeface="Aptos" panose="020B0004020202020204" pitchFamily="34" charset="0"/>
                 <a:cs typeface="Times New Roman" panose="02020603050405020304" pitchFamily="18" charset="0"/>
               </a:rPr>
-              <a:t>Enhance the neural network model with more advanced deep learning techniques, such as CNNs or transformers, for better accuracy.</a:t>
+              <a:t>Summary of Findings:</a:t>
             </a:r>
-          </a:p>
-          <a:p>
-            <a:pPr marL="342900" marR="0" lvl="0" indent="-342900">
-              <a:lnSpc>
-                <a:spcPct val="107000"/>
-              </a:lnSpc>
-              <a:spcBef>
-                <a:spcPts val="0"/>
-              </a:spcBef>
-              <a:spcAft>
-                <a:spcPts val="800"/>
-              </a:spcAft>
-              <a:buSzPts val="1000"/>
-              <a:buFont typeface="Symbol" panose="05050102010706020507" pitchFamily="18" charset="2"/>
-              <a:buChar char=""/>
-              <a:tabLst>
-                <a:tab pos="457200" algn="l"/>
-              </a:tabLst>
-            </a:pPr>
-            <a:r>
-              <a:rPr lang="en-US" kern="100" dirty="0">
+            <a:br>
+              <a:rPr lang="en-US" sz="1600" kern="100" dirty="0">
                 <a:effectLst/>
                 <a:latin typeface="Times New Roman" panose="02020603050405020304" pitchFamily="18" charset="0"/>
                 <a:ea typeface="Aptos" panose="020B0004020202020204" pitchFamily="34" charset="0"/>
                 <a:cs typeface="Times New Roman" panose="02020603050405020304" pitchFamily="18" charset="0"/>
               </a:rPr>
-              <a:t>Integrate real-time monitoring using IoT sensors to track environmental factors affecting hair health.</a:t>
-            </a:r>
-          </a:p>
-          <a:p>
-            <a:pPr marL="342900" marR="0" lvl="0" indent="-342900">
-              <a:lnSpc>
-                <a:spcPct val="107000"/>
-              </a:lnSpc>
-              <a:spcBef>
-                <a:spcPts val="0"/>
-              </a:spcBef>
-              <a:spcAft>
-                <a:spcPts val="800"/>
-              </a:spcAft>
-              <a:buSzPts val="1000"/>
-              <a:buFont typeface="Symbol" panose="05050102010706020507" pitchFamily="18" charset="2"/>
-              <a:buChar char=""/>
-              <a:tabLst>
-                <a:tab pos="457200" algn="l"/>
-              </a:tabLst>
-            </a:pPr>
+            </a:br>
             <a:r>
-              <a:rPr lang="en-US" kern="100" dirty="0">
+              <a:rPr lang="en-US" sz="1600" kern="100" dirty="0">
                 <a:effectLst/>
                 <a:latin typeface="Times New Roman" panose="02020603050405020304" pitchFamily="18" charset="0"/>
                 <a:ea typeface="Aptos" panose="020B0004020202020204" pitchFamily="34" charset="0"/>
                 <a:cs typeface="Times New Roman" panose="02020603050405020304" pitchFamily="18" charset="0"/>
               </a:rPr>
-              <a:t>Expand dataset collection to include more diverse demographic and genetic factors for improved generalization.</a:t>
+              <a:t>This project successfully demonstrates the application of AI/ML in predicting hair fall risk and providing personalized recommendations. By analyzing multiple contributing factors such as age, diet, stress levels, medical history, and environmental conditions, the system offers a data-driven approach for proactive hair care management. The model's accuracy and usability highlight the potential of AI in healthcare and wellness applications.</a:t>
             </a:r>
           </a:p>
           <a:p>
-            <a:pPr marL="342900" marR="0" lvl="0" indent="-342900">
+            <a:pPr marL="0" marR="0">
               <a:lnSpc>
                 <a:spcPct val="107000"/>
               </a:lnSpc>
@@ -9048,199 +8972,32 @@
               <a:spcAft>
                 <a:spcPts val="800"/>
               </a:spcAft>
-              <a:buSzPts val="1000"/>
-              <a:buFont typeface="Symbol" panose="05050102010706020507" pitchFamily="18" charset="2"/>
-              <a:buChar char=""/>
-              <a:tabLst>
-                <a:tab pos="457200" algn="l"/>
-              </a:tabLst>
             </a:pPr>
             <a:r>
-              <a:rPr lang="en-US" kern="100" dirty="0">
+              <a:rPr lang="en-US" sz="1600" b="1" kern="100" dirty="0">
                 <a:effectLst/>
                 <a:latin typeface="Times New Roman" panose="02020603050405020304" pitchFamily="18" charset="0"/>
                 <a:ea typeface="Aptos" panose="020B0004020202020204" pitchFamily="34" charset="0"/>
                 <a:cs typeface="Times New Roman" panose="02020603050405020304" pitchFamily="18" charset="0"/>
               </a:rPr>
-              <a:t>Develop a mobile-friendly version of the application to increase accessibility.</a:t>
+              <a:t>Final Thoughts:</a:t>
             </a:r>
-          </a:p>
-          <a:p>
-            <a:pPr marL="342900" marR="0" lvl="0" indent="-342900">
-              <a:lnSpc>
-                <a:spcPct val="107000"/>
-              </a:lnSpc>
-              <a:spcBef>
-                <a:spcPts val="0"/>
-              </a:spcBef>
-              <a:spcAft>
-                <a:spcPts val="800"/>
-              </a:spcAft>
-              <a:buSzPts val="1000"/>
-              <a:buFont typeface="Symbol" panose="05050102010706020507" pitchFamily="18" charset="2"/>
-              <a:buChar char=""/>
-              <a:tabLst>
-                <a:tab pos="457200" algn="l"/>
-              </a:tabLst>
-            </a:pPr>
-            <a:r>
-              <a:rPr lang="en-US" kern="100" dirty="0">
+            <a:br>
+              <a:rPr lang="en-US" sz="1600" kern="100" dirty="0">
                 <a:effectLst/>
                 <a:latin typeface="Times New Roman" panose="02020603050405020304" pitchFamily="18" charset="0"/>
                 <a:ea typeface="Aptos" panose="020B0004020202020204" pitchFamily="34" charset="0"/>
                 <a:cs typeface="Times New Roman" panose="02020603050405020304" pitchFamily="18" charset="0"/>
               </a:rPr>
-              <a:t>Implement explainable AI techniques to provide users with clearer insights into how predictions are made.</a:t>
-            </a:r>
-          </a:p>
-          <a:p>
-            <a:pPr marL="342900" marR="0" lvl="0" indent="-342900">
-              <a:lnSpc>
-                <a:spcPct val="107000"/>
-              </a:lnSpc>
-              <a:spcBef>
-                <a:spcPts val="0"/>
-              </a:spcBef>
-              <a:spcAft>
-                <a:spcPts val="800"/>
-              </a:spcAft>
-              <a:buSzPts val="1000"/>
-              <a:buFont typeface="Symbol" panose="05050102010706020507" pitchFamily="18" charset="2"/>
-              <a:buChar char=""/>
-              <a:tabLst>
-                <a:tab pos="457200" algn="l"/>
-              </a:tabLst>
-            </a:pPr>
+            </a:br>
             <a:r>
-              <a:rPr lang="en-US" kern="100" dirty="0">
+              <a:rPr lang="en-US" sz="1600" kern="100" dirty="0">
                 <a:effectLst/>
                 <a:latin typeface="Times New Roman" panose="02020603050405020304" pitchFamily="18" charset="0"/>
                 <a:ea typeface="Aptos" panose="020B0004020202020204" pitchFamily="34" charset="0"/>
                 <a:cs typeface="Times New Roman" panose="02020603050405020304" pitchFamily="18" charset="0"/>
               </a:rPr>
-              <a:t>Add multilingual support to cater to a global audience.</a:t>
-            </a:r>
-          </a:p>
-          <a:p>
-            <a:pPr marL="342900" marR="0" lvl="0" indent="-342900">
-              <a:lnSpc>
-                <a:spcPct val="107000"/>
-              </a:lnSpc>
-              <a:spcBef>
-                <a:spcPts val="0"/>
-              </a:spcBef>
-              <a:spcAft>
-                <a:spcPts val="800"/>
-              </a:spcAft>
-              <a:buSzPts val="1000"/>
-              <a:buFont typeface="Symbol" panose="05050102010706020507" pitchFamily="18" charset="2"/>
-              <a:buChar char=""/>
-              <a:tabLst>
-                <a:tab pos="457200" algn="l"/>
-              </a:tabLst>
-            </a:pPr>
-            <a:r>
-              <a:rPr lang="en-US" kern="100" dirty="0">
-                <a:effectLst/>
-                <a:latin typeface="Times New Roman" panose="02020603050405020304" pitchFamily="18" charset="0"/>
-                <a:ea typeface="Aptos" panose="020B0004020202020204" pitchFamily="34" charset="0"/>
-                <a:cs typeface="Times New Roman" panose="02020603050405020304" pitchFamily="18" charset="0"/>
-              </a:rPr>
-              <a:t>Incorporate blockchain for secure and tamper-proof medical records related to hair health analysis.</a:t>
-            </a:r>
-          </a:p>
-          <a:p>
-            <a:pPr marL="342900" marR="0" lvl="0" indent="-342900">
-              <a:lnSpc>
-                <a:spcPct val="107000"/>
-              </a:lnSpc>
-              <a:spcBef>
-                <a:spcPts val="0"/>
-              </a:spcBef>
-              <a:spcAft>
-                <a:spcPts val="800"/>
-              </a:spcAft>
-              <a:buSzPts val="1000"/>
-              <a:buFont typeface="Symbol" panose="05050102010706020507" pitchFamily="18" charset="2"/>
-              <a:buChar char=""/>
-              <a:tabLst>
-                <a:tab pos="457200" algn="l"/>
-              </a:tabLst>
-            </a:pPr>
-            <a:r>
-              <a:rPr lang="en-US" kern="100" dirty="0">
-                <a:effectLst/>
-                <a:latin typeface="Times New Roman" panose="02020603050405020304" pitchFamily="18" charset="0"/>
-                <a:ea typeface="Aptos" panose="020B0004020202020204" pitchFamily="34" charset="0"/>
-                <a:cs typeface="Times New Roman" panose="02020603050405020304" pitchFamily="18" charset="0"/>
-              </a:rPr>
-              <a:t>Enable personalized treatment plans based on AI-driven analysis, integrating feedback loops for adaptive learning.</a:t>
-            </a:r>
-          </a:p>
-          <a:p>
-            <a:pPr marL="0" marR="0">
-              <a:lnSpc>
-                <a:spcPct val="107000"/>
-              </a:lnSpc>
-              <a:spcBef>
-                <a:spcPts val="0"/>
-              </a:spcBef>
-              <a:spcAft>
-                <a:spcPts val="800"/>
-              </a:spcAft>
-            </a:pPr>
-            <a:r>
-              <a:rPr lang="en-US" kern="100" dirty="0">
-                <a:effectLst/>
-                <a:latin typeface="Times New Roman" panose="02020603050405020304" pitchFamily="18" charset="0"/>
-                <a:ea typeface="Aptos" panose="020B0004020202020204" pitchFamily="34" charset="0"/>
-                <a:cs typeface="Times New Roman" panose="02020603050405020304" pitchFamily="18" charset="0"/>
-              </a:rPr>
-              <a:t> </a:t>
-            </a:r>
-          </a:p>
-          <a:p>
-            <a:pPr marL="0" marR="0">
-              <a:lnSpc>
-                <a:spcPct val="107000"/>
-              </a:lnSpc>
-              <a:spcBef>
-                <a:spcPts val="0"/>
-              </a:spcBef>
-              <a:spcAft>
-                <a:spcPts val="800"/>
-              </a:spcAft>
-            </a:pPr>
-            <a:r>
-              <a:rPr lang="en-US" kern="100" dirty="0">
-                <a:effectLst/>
-                <a:latin typeface="Times New Roman" panose="02020603050405020304" pitchFamily="18" charset="0"/>
-                <a:ea typeface="Aptos" panose="020B0004020202020204" pitchFamily="34" charset="0"/>
-                <a:cs typeface="Times New Roman" panose="02020603050405020304" pitchFamily="18" charset="0"/>
-              </a:rPr>
-              <a:t> </a:t>
-            </a:r>
-          </a:p>
-          <a:p>
-            <a:pPr marL="0" marR="0">
-              <a:lnSpc>
-                <a:spcPct val="107000"/>
-              </a:lnSpc>
-              <a:spcBef>
-                <a:spcPts val="0"/>
-              </a:spcBef>
-              <a:spcAft>
-                <a:spcPts val="800"/>
-              </a:spcAft>
-            </a:pPr>
-            <a:r>
-              <a:rPr lang="en-US" kern="100" dirty="0">
-                <a:effectLst/>
-                <a:latin typeface="Times New Roman" panose="02020603050405020304" pitchFamily="18" charset="0"/>
-                <a:ea typeface="Aptos" panose="020B0004020202020204" pitchFamily="34" charset="0"/>
-                <a:cs typeface="Times New Roman" panose="02020603050405020304" pitchFamily="18" charset="0"/>
-              </a:rPr>
-              <a:t> </a:t>
+              <a:t>The integration of AI and ML into personal healthcare solutions opens new opportunities for preventive care. While the current system provides valuable insights, future enhancements such as real-time monitoring, more diverse datasets, and improved explainability will further refine predictions. Expanding the system to include mobile applications and wearable technology integration can enhance accessibility and impact. Continuous research and model optimization will be crucial in making the system more robust and effective for widespread adoption.</a:t>
             </a:r>
           </a:p>
         </p:txBody>
@@ -9248,7 +9005,7 @@
     </p:spTree>
     <p:extLst>
       <p:ext uri="{BB962C8B-B14F-4D97-AF65-F5344CB8AC3E}">
-        <p14:creationId xmlns:p14="http://schemas.microsoft.com/office/powerpoint/2010/main" val="2733696401"/>
+        <p14:creationId xmlns:p14="http://schemas.microsoft.com/office/powerpoint/2010/main" val="1730388232"/>
       </p:ext>
     </p:extLst>
   </p:cSld>
@@ -10647,25 +10404,7 @@
                 <a:ea typeface="Aptos" panose="020B0004020202020204" pitchFamily="34" charset="0"/>
                 <a:cs typeface="Times New Roman" panose="02020603050405020304" pitchFamily="18" charset="0"/>
               </a:rPr>
-              <a:t> Clean data, handle missing values using imputation techniques, normalize numerical features using </a:t>
-            </a:r>
-            <a:r>
-              <a:rPr lang="en-US" sz="1200" kern="100" dirty="0" err="1">
-                <a:effectLst/>
-                <a:latin typeface="Times New Roman" panose="02020603050405020304" pitchFamily="18" charset="0"/>
-                <a:ea typeface="Aptos" panose="020B0004020202020204" pitchFamily="34" charset="0"/>
-                <a:cs typeface="Times New Roman" panose="02020603050405020304" pitchFamily="18" charset="0"/>
-              </a:rPr>
-              <a:t>StandardScaler</a:t>
-            </a:r>
-            <a:r>
-              <a:rPr lang="en-US" sz="1200" kern="100" dirty="0">
-                <a:effectLst/>
-                <a:latin typeface="Times New Roman" panose="02020603050405020304" pitchFamily="18" charset="0"/>
-                <a:ea typeface="Aptos" panose="020B0004020202020204" pitchFamily="34" charset="0"/>
-                <a:cs typeface="Times New Roman" panose="02020603050405020304" pitchFamily="18" charset="0"/>
-              </a:rPr>
-              <a:t>, and encode categorical variables using One-Hot Encoding.</a:t>
+              <a:t> Clean data, handle missing values using imputation techniques, normalize numerical features using Standard Scaler, and encode categorical variables using One-Hot Encoding.</a:t>
             </a:r>
           </a:p>
           <a:p>
@@ -10773,25 +10512,7 @@
                 <a:ea typeface="Aptos" panose="020B0004020202020204" pitchFamily="34" charset="0"/>
                 <a:cs typeface="Times New Roman" panose="02020603050405020304" pitchFamily="18" charset="0"/>
               </a:rPr>
-              <a:t> Deploy the trained model using a web-based </a:t>
-            </a:r>
-            <a:r>
-              <a:rPr lang="en-US" sz="1200" kern="100" dirty="0" err="1">
-                <a:effectLst/>
-                <a:latin typeface="Times New Roman" panose="02020603050405020304" pitchFamily="18" charset="0"/>
-                <a:ea typeface="Aptos" panose="020B0004020202020204" pitchFamily="34" charset="0"/>
-                <a:cs typeface="Times New Roman" panose="02020603050405020304" pitchFamily="18" charset="0"/>
-              </a:rPr>
-              <a:t>Streamlit</a:t>
-            </a:r>
-            <a:r>
-              <a:rPr lang="en-US" sz="1200" kern="100" dirty="0">
-                <a:effectLst/>
-                <a:latin typeface="Times New Roman" panose="02020603050405020304" pitchFamily="18" charset="0"/>
-                <a:ea typeface="Aptos" panose="020B0004020202020204" pitchFamily="34" charset="0"/>
-                <a:cs typeface="Times New Roman" panose="02020603050405020304" pitchFamily="18" charset="0"/>
-              </a:rPr>
-              <a:t> interface, ensuring seamless user interaction and real-time prediction capabilities</a:t>
+              <a:t> Deploy the trained model using a web-based Streamlit interface, ensuring seamless user interaction and real-time prediction capabilities</a:t>
             </a:r>
           </a:p>
         </p:txBody>
@@ -11202,7 +10923,13 @@
   <p:cSld>
     <p:spTree>
       <p:nvGrpSpPr>
-        <p:cNvPr id="1" name=""/>
+        <p:cNvPr id="1" name="">
+          <a:extLst>
+            <a:ext uri="{FF2B5EF4-FFF2-40B4-BE49-F238E27FC236}">
+              <a16:creationId xmlns:a16="http://schemas.microsoft.com/office/drawing/2014/main" id="{00A8EAFC-3A57-AD7E-8CB9-F8A9F0B4D80A}"/>
+            </a:ext>
+          </a:extLst>
+        </p:cNvPr>
         <p:cNvGrpSpPr/>
         <p:nvPr/>
       </p:nvGrpSpPr>
@@ -11219,7 +10946,7 @@
           <p:cNvPr id="5" name="Title 4">
             <a:extLst>
               <a:ext uri="{FF2B5EF4-FFF2-40B4-BE49-F238E27FC236}">
-                <a16:creationId xmlns:a16="http://schemas.microsoft.com/office/drawing/2014/main" id="{43F6764B-21BB-C2DC-B5A1-6A2D218BFD12}"/>
+                <a16:creationId xmlns:a16="http://schemas.microsoft.com/office/drawing/2014/main" id="{D3EABD15-8138-43E4-DD67-E9ECE24A5AEE}"/>
               </a:ext>
             </a:extLst>
           </p:cNvPr>
@@ -11236,22 +10963,22 @@
           <a:lstStyle/>
           <a:p>
             <a:r>
-              <a:rPr lang="en-IN" sz="2400">
+              <a:rPr lang="en-IN" sz="2400" dirty="0">
                 <a:solidFill>
                   <a:srgbClr val="002060"/>
                 </a:solidFill>
               </a:rPr>
-              <a:t>Conclusion</a:t>
+              <a:t>Future Perspective</a:t>
             </a:r>
           </a:p>
         </p:txBody>
       </p:sp>
       <p:sp>
         <p:nvSpPr>
-          <p:cNvPr id="3" name="TextBox 2">
+          <p:cNvPr id="6" name="TextBox 5">
             <a:extLst>
               <a:ext uri="{FF2B5EF4-FFF2-40B4-BE49-F238E27FC236}">
-                <a16:creationId xmlns:a16="http://schemas.microsoft.com/office/drawing/2014/main" id="{6737EF46-06E3-0BF0-83DC-2FCFCC486FDA}"/>
+                <a16:creationId xmlns:a16="http://schemas.microsoft.com/office/drawing/2014/main" id="{2D10F7D5-7DCC-828C-0DFE-F1746E52368A}"/>
               </a:ext>
             </a:extLst>
           </p:cNvPr>
@@ -11260,8 +10987,8 @@
         </p:nvSpPr>
         <p:spPr>
           <a:xfrm>
-            <a:off x="375556" y="1017725"/>
-            <a:ext cx="8520599" cy="3602268"/>
+            <a:off x="710293" y="1017725"/>
+            <a:ext cx="8229600" cy="4329968"/>
           </a:xfrm>
           <a:prstGeom prst="rect">
             <a:avLst/>
@@ -11274,7 +11001,7 @@
           </a:bodyPr>
           <a:lstStyle/>
           <a:p>
-            <a:pPr marL="0" marR="0">
+            <a:pPr marL="342900" marR="0" lvl="0" indent="-342900">
               <a:lnSpc>
                 <a:spcPct val="107000"/>
               </a:lnSpc>
@@ -11284,36 +11011,81 @@
               <a:spcAft>
                 <a:spcPts val="800"/>
               </a:spcAft>
+              <a:buSzPts val="1000"/>
+              <a:buFont typeface="Symbol" panose="05050102010706020507" pitchFamily="18" charset="2"/>
+              <a:buChar char=""/>
+              <a:tabLst>
+                <a:tab pos="457200" algn="l"/>
+              </a:tabLst>
             </a:pPr>
             <a:r>
-              <a:rPr lang="en-US" sz="1600" b="1" kern="100" dirty="0">
+              <a:rPr lang="en-US" kern="100" dirty="0">
                 <a:effectLst/>
                 <a:latin typeface="Times New Roman" panose="02020603050405020304" pitchFamily="18" charset="0"/>
                 <a:ea typeface="Aptos" panose="020B0004020202020204" pitchFamily="34" charset="0"/>
                 <a:cs typeface="Times New Roman" panose="02020603050405020304" pitchFamily="18" charset="0"/>
               </a:rPr>
-              <a:t>Summary of Findings:</a:t>
+              <a:t>Enhance the neural network model with more advanced deep learning techniques, such as CNNs or transformers, for better accuracy.</a:t>
             </a:r>
-            <a:br>
-              <a:rPr lang="en-US" sz="1600" kern="100" dirty="0">
+          </a:p>
+          <a:p>
+            <a:pPr marL="342900" marR="0" lvl="0" indent="-342900">
+              <a:lnSpc>
+                <a:spcPct val="107000"/>
+              </a:lnSpc>
+              <a:spcBef>
+                <a:spcPts val="0"/>
+              </a:spcBef>
+              <a:spcAft>
+                <a:spcPts val="800"/>
+              </a:spcAft>
+              <a:buSzPts val="1000"/>
+              <a:buFont typeface="Symbol" panose="05050102010706020507" pitchFamily="18" charset="2"/>
+              <a:buChar char=""/>
+              <a:tabLst>
+                <a:tab pos="457200" algn="l"/>
+              </a:tabLst>
+            </a:pPr>
+            <a:r>
+              <a:rPr lang="en-US" kern="100" dirty="0">
                 <a:effectLst/>
                 <a:latin typeface="Times New Roman" panose="02020603050405020304" pitchFamily="18" charset="0"/>
                 <a:ea typeface="Aptos" panose="020B0004020202020204" pitchFamily="34" charset="0"/>
                 <a:cs typeface="Times New Roman" panose="02020603050405020304" pitchFamily="18" charset="0"/>
               </a:rPr>
-            </a:br>
+              <a:t>Integrate real-time monitoring using IoT sensors to track environmental factors affecting hair health.</a:t>
+            </a:r>
+          </a:p>
+          <a:p>
+            <a:pPr marL="342900" marR="0" lvl="0" indent="-342900">
+              <a:lnSpc>
+                <a:spcPct val="107000"/>
+              </a:lnSpc>
+              <a:spcBef>
+                <a:spcPts val="0"/>
+              </a:spcBef>
+              <a:spcAft>
+                <a:spcPts val="800"/>
+              </a:spcAft>
+              <a:buSzPts val="1000"/>
+              <a:buFont typeface="Symbol" panose="05050102010706020507" pitchFamily="18" charset="2"/>
+              <a:buChar char=""/>
+              <a:tabLst>
+                <a:tab pos="457200" algn="l"/>
+              </a:tabLst>
+            </a:pPr>
             <a:r>
-              <a:rPr lang="en-US" sz="1600" kern="100" dirty="0">
+              <a:rPr lang="en-US" kern="100" dirty="0">
                 <a:effectLst/>
                 <a:latin typeface="Times New Roman" panose="02020603050405020304" pitchFamily="18" charset="0"/>
                 <a:ea typeface="Aptos" panose="020B0004020202020204" pitchFamily="34" charset="0"/>
                 <a:cs typeface="Times New Roman" panose="02020603050405020304" pitchFamily="18" charset="0"/>
               </a:rPr>
-              <a:t>This project successfully demonstrates the application of AI/ML in predicting hair fall risk and providing personalized recommendations. By analyzing multiple contributing factors such as age, diet, stress levels, medical history, and environmental conditions, the system offers a data-driven approach for proactive hair care management. The model's accuracy and usability highlight the potential of AI in healthcare and wellness applications.</a:t>
+              <a:t>Expand dataset collection to include more diverse demographic and genetic factors for improved generalization.</a:t>
             </a:r>
           </a:p>
           <a:p>
-            <a:pPr marL="0" marR="0">
+            <a:pPr marL="342900" marR="0" lvl="0" indent="-342900">
               <a:lnSpc>
                 <a:spcPct val="107000"/>
               </a:lnSpc>
@@ -11323,32 +11095,199 @@
               <a:spcAft>
                 <a:spcPts val="800"/>
               </a:spcAft>
+              <a:buSzPts val="1000"/>
+              <a:buFont typeface="Symbol" panose="05050102010706020507" pitchFamily="18" charset="2"/>
+              <a:buChar char=""/>
+              <a:tabLst>
+                <a:tab pos="457200" algn="l"/>
+              </a:tabLst>
             </a:pPr>
             <a:r>
-              <a:rPr lang="en-US" sz="1600" b="1" kern="100" dirty="0">
+              <a:rPr lang="en-US" kern="100" dirty="0">
                 <a:effectLst/>
                 <a:latin typeface="Times New Roman" panose="02020603050405020304" pitchFamily="18" charset="0"/>
                 <a:ea typeface="Aptos" panose="020B0004020202020204" pitchFamily="34" charset="0"/>
                 <a:cs typeface="Times New Roman" panose="02020603050405020304" pitchFamily="18" charset="0"/>
               </a:rPr>
-              <a:t>Final Thoughts:</a:t>
+              <a:t>Develop a mobile-friendly version of the application to increase accessibility.</a:t>
             </a:r>
-            <a:br>
-              <a:rPr lang="en-US" sz="1600" kern="100" dirty="0">
+          </a:p>
+          <a:p>
+            <a:pPr marL="342900" marR="0" lvl="0" indent="-342900">
+              <a:lnSpc>
+                <a:spcPct val="107000"/>
+              </a:lnSpc>
+              <a:spcBef>
+                <a:spcPts val="0"/>
+              </a:spcBef>
+              <a:spcAft>
+                <a:spcPts val="800"/>
+              </a:spcAft>
+              <a:buSzPts val="1000"/>
+              <a:buFont typeface="Symbol" panose="05050102010706020507" pitchFamily="18" charset="2"/>
+              <a:buChar char=""/>
+              <a:tabLst>
+                <a:tab pos="457200" algn="l"/>
+              </a:tabLst>
+            </a:pPr>
+            <a:r>
+              <a:rPr lang="en-US" kern="100" dirty="0">
                 <a:effectLst/>
                 <a:latin typeface="Times New Roman" panose="02020603050405020304" pitchFamily="18" charset="0"/>
                 <a:ea typeface="Aptos" panose="020B0004020202020204" pitchFamily="34" charset="0"/>
                 <a:cs typeface="Times New Roman" panose="02020603050405020304" pitchFamily="18" charset="0"/>
               </a:rPr>
-            </a:br>
+              <a:t>Implement explainable AI techniques to provide users with clearer insights into how predictions are made.</a:t>
+            </a:r>
+          </a:p>
+          <a:p>
+            <a:pPr marL="342900" marR="0" lvl="0" indent="-342900">
+              <a:lnSpc>
+                <a:spcPct val="107000"/>
+              </a:lnSpc>
+              <a:spcBef>
+                <a:spcPts val="0"/>
+              </a:spcBef>
+              <a:spcAft>
+                <a:spcPts val="800"/>
+              </a:spcAft>
+              <a:buSzPts val="1000"/>
+              <a:buFont typeface="Symbol" panose="05050102010706020507" pitchFamily="18" charset="2"/>
+              <a:buChar char=""/>
+              <a:tabLst>
+                <a:tab pos="457200" algn="l"/>
+              </a:tabLst>
+            </a:pPr>
             <a:r>
-              <a:rPr lang="en-US" sz="1600" kern="100" dirty="0">
+              <a:rPr lang="en-US" kern="100" dirty="0">
                 <a:effectLst/>
                 <a:latin typeface="Times New Roman" panose="02020603050405020304" pitchFamily="18" charset="0"/>
                 <a:ea typeface="Aptos" panose="020B0004020202020204" pitchFamily="34" charset="0"/>
                 <a:cs typeface="Times New Roman" panose="02020603050405020304" pitchFamily="18" charset="0"/>
               </a:rPr>
-              <a:t>The integration of AI and ML into personal healthcare solutions opens new opportunities for preventive care. While the current system provides valuable insights, future enhancements such as real-time monitoring, more diverse datasets, and improved explainability will further refine predictions. Expanding the system to include mobile applications and wearable technology integration can enhance accessibility and impact. Continuous research and model optimization will be crucial in making the system more robust and effective for widespread adoption.</a:t>
+              <a:t>Add multilingual support to cater to a global audience.</a:t>
+            </a:r>
+          </a:p>
+          <a:p>
+            <a:pPr marL="342900" marR="0" lvl="0" indent="-342900">
+              <a:lnSpc>
+                <a:spcPct val="107000"/>
+              </a:lnSpc>
+              <a:spcBef>
+                <a:spcPts val="0"/>
+              </a:spcBef>
+              <a:spcAft>
+                <a:spcPts val="800"/>
+              </a:spcAft>
+              <a:buSzPts val="1000"/>
+              <a:buFont typeface="Symbol" panose="05050102010706020507" pitchFamily="18" charset="2"/>
+              <a:buChar char=""/>
+              <a:tabLst>
+                <a:tab pos="457200" algn="l"/>
+              </a:tabLst>
+            </a:pPr>
+            <a:r>
+              <a:rPr lang="en-US" kern="100" dirty="0">
+                <a:effectLst/>
+                <a:latin typeface="Times New Roman" panose="02020603050405020304" pitchFamily="18" charset="0"/>
+                <a:ea typeface="Aptos" panose="020B0004020202020204" pitchFamily="34" charset="0"/>
+                <a:cs typeface="Times New Roman" panose="02020603050405020304" pitchFamily="18" charset="0"/>
+              </a:rPr>
+              <a:t>Incorporate blockchain for secure and tamper-proof medical records related to hair health analysis.</a:t>
+            </a:r>
+          </a:p>
+          <a:p>
+            <a:pPr marL="342900" marR="0" lvl="0" indent="-342900">
+              <a:lnSpc>
+                <a:spcPct val="107000"/>
+              </a:lnSpc>
+              <a:spcBef>
+                <a:spcPts val="0"/>
+              </a:spcBef>
+              <a:spcAft>
+                <a:spcPts val="800"/>
+              </a:spcAft>
+              <a:buSzPts val="1000"/>
+              <a:buFont typeface="Symbol" panose="05050102010706020507" pitchFamily="18" charset="2"/>
+              <a:buChar char=""/>
+              <a:tabLst>
+                <a:tab pos="457200" algn="l"/>
+              </a:tabLst>
+            </a:pPr>
+            <a:r>
+              <a:rPr lang="en-US" kern="100" dirty="0">
+                <a:effectLst/>
+                <a:latin typeface="Times New Roman" panose="02020603050405020304" pitchFamily="18" charset="0"/>
+                <a:ea typeface="Aptos" panose="020B0004020202020204" pitchFamily="34" charset="0"/>
+                <a:cs typeface="Times New Roman" panose="02020603050405020304" pitchFamily="18" charset="0"/>
+              </a:rPr>
+              <a:t>Enable personalized treatment plans based on AI-driven analysis, integrating feedback loops for adaptive learning.</a:t>
+            </a:r>
+          </a:p>
+          <a:p>
+            <a:pPr marL="0" marR="0">
+              <a:lnSpc>
+                <a:spcPct val="107000"/>
+              </a:lnSpc>
+              <a:spcBef>
+                <a:spcPts val="0"/>
+              </a:spcBef>
+              <a:spcAft>
+                <a:spcPts val="800"/>
+              </a:spcAft>
+            </a:pPr>
+            <a:r>
+              <a:rPr lang="en-US" kern="100" dirty="0">
+                <a:effectLst/>
+                <a:latin typeface="Times New Roman" panose="02020603050405020304" pitchFamily="18" charset="0"/>
+                <a:ea typeface="Aptos" panose="020B0004020202020204" pitchFamily="34" charset="0"/>
+                <a:cs typeface="Times New Roman" panose="02020603050405020304" pitchFamily="18" charset="0"/>
+              </a:rPr>
+              <a:t> </a:t>
+            </a:r>
+          </a:p>
+          <a:p>
+            <a:pPr marL="0" marR="0">
+              <a:lnSpc>
+                <a:spcPct val="107000"/>
+              </a:lnSpc>
+              <a:spcBef>
+                <a:spcPts val="0"/>
+              </a:spcBef>
+              <a:spcAft>
+                <a:spcPts val="800"/>
+              </a:spcAft>
+            </a:pPr>
+            <a:r>
+              <a:rPr lang="en-US" kern="100" dirty="0">
+                <a:effectLst/>
+                <a:latin typeface="Times New Roman" panose="02020603050405020304" pitchFamily="18" charset="0"/>
+                <a:ea typeface="Aptos" panose="020B0004020202020204" pitchFamily="34" charset="0"/>
+                <a:cs typeface="Times New Roman" panose="02020603050405020304" pitchFamily="18" charset="0"/>
+              </a:rPr>
+              <a:t> </a:t>
+            </a:r>
+          </a:p>
+          <a:p>
+            <a:pPr marL="0" marR="0">
+              <a:lnSpc>
+                <a:spcPct val="107000"/>
+              </a:lnSpc>
+              <a:spcBef>
+                <a:spcPts val="0"/>
+              </a:spcBef>
+              <a:spcAft>
+                <a:spcPts val="800"/>
+              </a:spcAft>
+            </a:pPr>
+            <a:r>
+              <a:rPr lang="en-US" kern="100" dirty="0">
+                <a:effectLst/>
+                <a:latin typeface="Times New Roman" panose="02020603050405020304" pitchFamily="18" charset="0"/>
+                <a:ea typeface="Aptos" panose="020B0004020202020204" pitchFamily="34" charset="0"/>
+                <a:cs typeface="Times New Roman" panose="02020603050405020304" pitchFamily="18" charset="0"/>
+              </a:rPr>
+              <a:t> </a:t>
             </a:r>
           </a:p>
         </p:txBody>
@@ -11356,7 +11295,7 @@
     </p:spTree>
     <p:extLst>
       <p:ext uri="{BB962C8B-B14F-4D97-AF65-F5344CB8AC3E}">
-        <p14:creationId xmlns:p14="http://schemas.microsoft.com/office/powerpoint/2010/main" val="1730388232"/>
+        <p14:creationId xmlns:p14="http://schemas.microsoft.com/office/powerpoint/2010/main" val="2733696401"/>
       </p:ext>
     </p:extLst>
   </p:cSld>
@@ -11929,6 +11868,23 @@
 </file>
 
 <file path=customXml/item1.xml><?xml version="1.0" encoding="utf-8"?>
+<p:properties xmlns:p="http://schemas.microsoft.com/office/2006/metadata/properties" xmlns:xsi="http://www.w3.org/2001/XMLSchema-instance" xmlns:pc="http://schemas.microsoft.com/office/infopath/2007/PartnerControls">
+  <documentManagement>
+    <_activity xmlns="9162bd5b-4ed9-4da3-b376-05204580ba3f" xsi:nil="true"/>
+  </documentManagement>
+</p:properties>
+</file>
+
+<file path=customXml/item2.xml><?xml version="1.0" encoding="utf-8"?>
+<?mso-contentType ?>
+<FormTemplates xmlns="http://schemas.microsoft.com/sharepoint/v3/contenttype/forms">
+  <Display>DocumentLibraryForm</Display>
+  <Edit>DocumentLibraryForm</Edit>
+  <New>DocumentLibraryForm</New>
+</FormTemplates>
+</file>
+
+<file path=customXml/item3.xml><?xml version="1.0" encoding="utf-8"?>
 <ct:contentTypeSchema xmlns:ct="http://schemas.microsoft.com/office/2006/metadata/contentType" xmlns:ma="http://schemas.microsoft.com/office/2006/metadata/properties/metaAttributes" ct:_="" ma:_="" ma:contentTypeName="Document" ma:contentTypeID="0x0101000F1872188ABCFC48BECA6C87E8AC3285" ma:contentTypeVersion="15" ma:contentTypeDescription="Create a new document." ma:contentTypeScope="" ma:versionID="7670618c03e54fbae4a17ecb2d0ed10f">
   <xsd:schema xmlns:xsd="http://www.w3.org/2001/XMLSchema" xmlns:xs="http://www.w3.org/2001/XMLSchema" xmlns:p="http://schemas.microsoft.com/office/2006/metadata/properties" xmlns:ns3="9162bd5b-4ed9-4da3-b376-05204580ba3f" xmlns:ns4="c0fa2617-96bd-425d-8578-e93563fe37c5" targetNamespace="http://schemas.microsoft.com/office/2006/metadata/properties" ma:root="true" ma:fieldsID="3d63de1c5a217044e31e0c8b260d3d71" ns3:_="" ns4:_="">
     <xsd:import namespace="9162bd5b-4ed9-4da3-b376-05204580ba3f"/>
@@ -12163,24 +12119,32 @@
 </ct:contentTypeSchema>
 </file>
 
-<file path=customXml/item2.xml><?xml version="1.0" encoding="utf-8"?>
-<?mso-contentType ?>
-<FormTemplates xmlns="http://schemas.microsoft.com/sharepoint/v3/contenttype/forms">
-  <Display>DocumentLibraryForm</Display>
-  <Edit>DocumentLibraryForm</Edit>
-  <New>DocumentLibraryForm</New>
-</FormTemplates>
+<file path=customXml/itemProps1.xml><?xml version="1.0" encoding="utf-8"?>
+<ds:datastoreItem xmlns:ds="http://schemas.openxmlformats.org/officeDocument/2006/customXml" ds:itemID="{A6559A34-456E-49A1-8157-9E3D18BFAD36}">
+  <ds:schemaRefs>
+    <ds:schemaRef ds:uri="9162bd5b-4ed9-4da3-b376-05204580ba3f"/>
+    <ds:schemaRef ds:uri="c0fa2617-96bd-425d-8578-e93563fe37c5"/>
+    <ds:schemaRef ds:uri="http://purl.org/dc/dcmitype/"/>
+    <ds:schemaRef ds:uri="http://purl.org/dc/elements/1.1/"/>
+    <ds:schemaRef ds:uri="http://purl.org/dc/terms/"/>
+    <ds:schemaRef ds:uri="http://schemas.microsoft.com/office/2006/documentManagement/types"/>
+    <ds:schemaRef ds:uri="http://schemas.microsoft.com/office/2006/metadata/properties"/>
+    <ds:schemaRef ds:uri="http://schemas.microsoft.com/office/infopath/2007/PartnerControls"/>
+    <ds:schemaRef ds:uri="http://schemas.openxmlformats.org/package/2006/metadata/core-properties"/>
+    <ds:schemaRef ds:uri="http://www.w3.org/XML/1998/namespace"/>
+  </ds:schemaRefs>
+</ds:datastoreItem>
 </file>
 
-<file path=customXml/item3.xml><?xml version="1.0" encoding="utf-8"?>
-<p:properties xmlns:p="http://schemas.microsoft.com/office/2006/metadata/properties" xmlns:xsi="http://www.w3.org/2001/XMLSchema-instance" xmlns:pc="http://schemas.microsoft.com/office/infopath/2007/PartnerControls">
-  <documentManagement>
-    <_activity xmlns="9162bd5b-4ed9-4da3-b376-05204580ba3f" xsi:nil="true"/>
-  </documentManagement>
-</p:properties>
+<file path=customXml/itemProps2.xml><?xml version="1.0" encoding="utf-8"?>
+<ds:datastoreItem xmlns:ds="http://schemas.openxmlformats.org/officeDocument/2006/customXml" ds:itemID="{3706AB80-2608-47D7-8AC8-FA6BC8A9B27C}">
+  <ds:schemaRefs>
+    <ds:schemaRef ds:uri="http://schemas.microsoft.com/sharepoint/v3/contenttype/forms"/>
+  </ds:schemaRefs>
+</ds:datastoreItem>
 </file>
 
-<file path=customXml/itemProps1.xml><?xml version="1.0" encoding="utf-8"?>
+<file path=customXml/itemProps3.xml><?xml version="1.0" encoding="utf-8"?>
 <ds:datastoreItem xmlns:ds="http://schemas.openxmlformats.org/officeDocument/2006/customXml" ds:itemID="{7D9E5D5E-A365-4A49-8140-C8CC82A61608}">
   <ds:schemaRefs>
     <ds:schemaRef ds:uri="9162bd5b-4ed9-4da3-b376-05204580ba3f"/>
@@ -12197,29 +12161,4 @@
     <ds:schemaRef ds:uri="http://www.w3.org/2001/XMLSchema"/>
   </ds:schemaRefs>
 </ds:datastoreItem>
-</file>
-
-<file path=customXml/itemProps2.xml><?xml version="1.0" encoding="utf-8"?>
-<ds:datastoreItem xmlns:ds="http://schemas.openxmlformats.org/officeDocument/2006/customXml" ds:itemID="{3706AB80-2608-47D7-8AC8-FA6BC8A9B27C}">
-  <ds:schemaRefs>
-    <ds:schemaRef ds:uri="http://schemas.microsoft.com/sharepoint/v3/contenttype/forms"/>
-  </ds:schemaRefs>
-</ds:datastoreItem>
-</file>
-
-<file path=customXml/itemProps3.xml><?xml version="1.0" encoding="utf-8"?>
-<ds:datastoreItem xmlns:ds="http://schemas.openxmlformats.org/officeDocument/2006/customXml" ds:itemID="{A6559A34-456E-49A1-8157-9E3D18BFAD36}">
-  <ds:schemaRefs>
-    <ds:schemaRef ds:uri="9162bd5b-4ed9-4da3-b376-05204580ba3f"/>
-    <ds:schemaRef ds:uri="c0fa2617-96bd-425d-8578-e93563fe37c5"/>
-    <ds:schemaRef ds:uri="http://purl.org/dc/dcmitype/"/>
-    <ds:schemaRef ds:uri="http://purl.org/dc/elements/1.1/"/>
-    <ds:schemaRef ds:uri="http://purl.org/dc/terms/"/>
-    <ds:schemaRef ds:uri="http://schemas.microsoft.com/office/2006/documentManagement/types"/>
-    <ds:schemaRef ds:uri="http://schemas.microsoft.com/office/2006/metadata/properties"/>
-    <ds:schemaRef ds:uri="http://schemas.microsoft.com/office/infopath/2007/PartnerControls"/>
-    <ds:schemaRef ds:uri="http://schemas.openxmlformats.org/package/2006/metadata/core-properties"/>
-    <ds:schemaRef ds:uri="http://www.w3.org/XML/1998/namespace"/>
-  </ds:schemaRefs>
-</ds:datastoreItem>
 </file>